--- a/presentation/COVID-19 Risk Predictor.pptx
+++ b/presentation/COVID-19 Risk Predictor.pptx
@@ -12,12 +12,11 @@
     <p:sldId id="351" r:id="rId9"/>
     <p:sldId id="352" r:id="rId10"/>
     <p:sldId id="353" r:id="rId11"/>
-    <p:sldId id="269" r:id="rId12"/>
-    <p:sldId id="355" r:id="rId13"/>
-    <p:sldId id="356" r:id="rId14"/>
-    <p:sldId id="354" r:id="rId15"/>
-    <p:sldId id="266" r:id="rId16"/>
-    <p:sldId id="285" r:id="rId17"/>
+    <p:sldId id="355" r:id="rId12"/>
+    <p:sldId id="356" r:id="rId13"/>
+    <p:sldId id="354" r:id="rId14"/>
+    <p:sldId id="266" r:id="rId15"/>
+    <p:sldId id="285" r:id="rId16"/>
   </p:sldIdLst>
   <p:sldSz cx="12192000" cy="6858000"/>
   <p:notesSz cx="6858000" cy="9144000"/>
@@ -327,7 +326,7 @@
           <a:p>
             <a:fld id="{9184DA70-C731-4C70-880D-CCD4705E623C}" type="datetime1">
               <a:rPr lang="en-US" smtClean="0"/>
-              <a:t>12/19/2020</a:t>
+              <a:t>12/20/2020</a:t>
             </a:fld>
             <a:endParaRPr lang="en-US" dirty="0"/>
           </a:p>
@@ -865,7 +864,7 @@
           <a:p>
             <a:fld id="{4EDE50D6-574B-40AF-946F-D52A04ADE379}" type="datetime1">
               <a:rPr lang="en-US" smtClean="0"/>
-              <a:t>12/19/2020</a:t>
+              <a:t>12/20/2020</a:t>
             </a:fld>
             <a:endParaRPr lang="en-US" dirty="0"/>
           </a:p>
@@ -1631,7 +1630,7 @@
           <a:p>
             <a:fld id="{4BE1D723-8F53-4F53-90B0-1982A396982E}" type="datetime1">
               <a:rPr lang="en-US" smtClean="0"/>
-              <a:t>12/19/2020</a:t>
+              <a:t>12/20/2020</a:t>
             </a:fld>
             <a:endParaRPr lang="en-US" dirty="0"/>
           </a:p>
@@ -2328,7 +2327,7 @@
           <a:p>
             <a:fld id="{4BE1D723-8F53-4F53-90B0-1982A396982E}" type="datetime1">
               <a:rPr lang="en-US" smtClean="0"/>
-              <a:t>12/19/2020</a:t>
+              <a:t>12/20/2020</a:t>
             </a:fld>
             <a:endParaRPr lang="en-US" dirty="0"/>
           </a:p>
@@ -3407,7 +3406,7 @@
           <a:p>
             <a:fld id="{97669AF7-7BEB-44E4-9852-375E34362B5B}" type="datetime1">
               <a:rPr lang="en-US" smtClean="0"/>
-              <a:t>12/19/2020</a:t>
+              <a:t>12/20/2020</a:t>
             </a:fld>
             <a:endParaRPr lang="en-US" dirty="0"/>
           </a:p>
@@ -4235,7 +4234,7 @@
           <a:p>
             <a:fld id="{BAAAC38D-0552-4C82-B593-E6124DFADBE2}" type="datetime1">
               <a:rPr lang="en-US" smtClean="0"/>
-              <a:t>12/19/2020</a:t>
+              <a:t>12/20/2020</a:t>
             </a:fld>
             <a:endParaRPr lang="en-US" dirty="0"/>
           </a:p>
@@ -5188,7 +5187,7 @@
           <a:p>
             <a:fld id="{D9DF0F1C-5577-4ACB-BB62-DF8F3C494C7E}" type="datetime1">
               <a:rPr lang="en-US" smtClean="0"/>
-              <a:t>12/19/2020</a:t>
+              <a:t>12/20/2020</a:t>
             </a:fld>
             <a:endParaRPr lang="en-US" dirty="0"/>
           </a:p>
@@ -5885,7 +5884,7 @@
           <a:p>
             <a:fld id="{1775B394-D9F9-4F0C-B15D-605F45CB9E9F}" type="datetime1">
               <a:rPr lang="en-US" smtClean="0"/>
-              <a:t>12/19/2020</a:t>
+              <a:t>12/20/2020</a:t>
             </a:fld>
             <a:endParaRPr lang="en-US" dirty="0"/>
           </a:p>
@@ -6582,7 +6581,7 @@
           <a:p>
             <a:fld id="{1775B394-D9F9-4F0C-B15D-605F45CB9E9F}" type="datetime1">
               <a:rPr lang="en-US" smtClean="0"/>
-              <a:t>12/19/2020</a:t>
+              <a:t>12/20/2020</a:t>
             </a:fld>
             <a:endParaRPr lang="en-US" dirty="0"/>
           </a:p>
@@ -7289,7 +7288,7 @@
           <a:p>
             <a:fld id="{39667345-2558-425A-8533-9BFDBCE15005}" type="datetime1">
               <a:rPr lang="en-US" smtClean="0"/>
-              <a:t>12/19/2020</a:t>
+              <a:t>12/20/2020</a:t>
             </a:fld>
             <a:endParaRPr lang="en-US" dirty="0"/>
           </a:p>
@@ -7512,7 +7511,7 @@
           <a:p>
             <a:fld id="{62D6E202-B606-4609-B914-27C9371A1F6D}" type="datetime1">
               <a:rPr lang="en-US" smtClean="0"/>
-              <a:t>12/19/2020</a:t>
+              <a:t>12/20/2020</a:t>
             </a:fld>
             <a:endParaRPr lang="en-US" dirty="0"/>
           </a:p>
@@ -8097,144 +8096,6 @@
       </p:grpSpPr>
       <p:sp>
         <p:nvSpPr>
-          <p:cNvPr id="3" name="Content Placeholder 2">
-            <a:extLst>
-              <a:ext uri="{FF2B5EF4-FFF2-40B4-BE49-F238E27FC236}">
-                <a16:creationId xmlns:a16="http://schemas.microsoft.com/office/drawing/2014/main" id="{7FD305C2-EDA8-45C1-8E65-A5455692BC40}"/>
-              </a:ext>
-            </a:extLst>
-          </p:cNvPr>
-          <p:cNvSpPr>
-            <a:spLocks noGrp="1"/>
-          </p:cNvSpPr>
-          <p:nvPr>
-            <p:ph sz="half" idx="1"/>
-          </p:nvPr>
-        </p:nvSpPr>
-        <p:spPr/>
-        <p:txBody>
-          <a:bodyPr>
-            <a:normAutofit/>
-          </a:bodyPr>
-          <a:lstStyle/>
-          <a:p>
-            <a:pPr algn="just"/>
-            <a:r>
-              <a:rPr lang="en-US" sz="1800" dirty="0"/>
-              <a:t>Finding a dataset that fit with our problem and </a:t>
-            </a:r>
-            <a:r>
-              <a:rPr lang="en-IN" sz="1800" dirty="0"/>
-              <a:t>pre-processing it for use was very time-consuming and a hassle.</a:t>
-            </a:r>
-          </a:p>
-          <a:p>
-            <a:pPr algn="just"/>
-            <a:r>
-              <a:rPr lang="en-US" sz="1800" dirty="0"/>
-              <a:t>Setting up the backend using fastAPI to interact with the website took us some time to learn and implement.</a:t>
-            </a:r>
-          </a:p>
-          <a:p>
-            <a:pPr algn="just"/>
-            <a:r>
-              <a:rPr lang="en-US" sz="1800" dirty="0"/>
-              <a:t>Collaborating with teammates over call was a challenge. But we are proud to have completed the project successfully. </a:t>
-            </a:r>
-          </a:p>
-        </p:txBody>
-      </p:sp>
-      <p:sp>
-        <p:nvSpPr>
-          <p:cNvPr id="4" name="Title 3">
-            <a:extLst>
-              <a:ext uri="{FF2B5EF4-FFF2-40B4-BE49-F238E27FC236}">
-                <a16:creationId xmlns:a16="http://schemas.microsoft.com/office/drawing/2014/main" id="{3729FD7E-1908-406F-898A-AB33D7EFE50C}"/>
-              </a:ext>
-            </a:extLst>
-          </p:cNvPr>
-          <p:cNvSpPr>
-            <a:spLocks noGrp="1"/>
-          </p:cNvSpPr>
-          <p:nvPr>
-            <p:ph type="title"/>
-          </p:nvPr>
-        </p:nvSpPr>
-        <p:spPr/>
-        <p:txBody>
-          <a:bodyPr/>
-          <a:lstStyle/>
-          <a:p>
-            <a:pPr algn="ctr"/>
-            <a:r>
-              <a:rPr lang="en-US" dirty="0">
-                <a:latin typeface="Cooper Black" panose="0208090404030B020404" pitchFamily="18" charset="0"/>
-              </a:rPr>
-              <a:t>Challenges Faced</a:t>
-            </a:r>
-            <a:endParaRPr lang="en-IN" dirty="0">
-              <a:latin typeface="Cooper Black" panose="0208090404030B020404" pitchFamily="18" charset="0"/>
-            </a:endParaRPr>
-          </a:p>
-        </p:txBody>
-      </p:sp>
-      <p:pic>
-        <p:nvPicPr>
-          <p:cNvPr id="10" name="Picture Placeholder 9">
-            <a:extLst>
-              <a:ext uri="{FF2B5EF4-FFF2-40B4-BE49-F238E27FC236}">
-                <a16:creationId xmlns:a16="http://schemas.microsoft.com/office/drawing/2014/main" id="{AFD2C80D-8E2C-483E-B327-E720198FF781}"/>
-              </a:ext>
-            </a:extLst>
-          </p:cNvPr>
-          <p:cNvPicPr>
-            <a:picLocks noGrp="1" noChangeAspect="1"/>
-          </p:cNvPicPr>
-          <p:nvPr>
-            <p:ph type="pic" sz="quarter" idx="13"/>
-          </p:nvPr>
-        </p:nvPicPr>
-        <p:blipFill>
-          <a:blip r:embed="rId2"/>
-          <a:srcRect l="3761" r="3761"/>
-          <a:stretch>
-            <a:fillRect/>
-          </a:stretch>
-        </p:blipFill>
-        <p:spPr/>
-      </p:pic>
-    </p:spTree>
-    <p:extLst>
-      <p:ext uri="{BB962C8B-B14F-4D97-AF65-F5344CB8AC3E}">
-        <p14:creationId xmlns:p14="http://schemas.microsoft.com/office/powerpoint/2010/main" val="3350103214"/>
-      </p:ext>
-    </p:extLst>
-  </p:cSld>
-  <p:clrMapOvr>
-    <a:masterClrMapping/>
-  </p:clrMapOvr>
-</p:sld>
-</file>
-
-<file path=ppt/slides/slide11.xml><?xml version="1.0" encoding="utf-8"?>
-<p:sld xmlns:a="http://schemas.openxmlformats.org/drawingml/2006/main" xmlns:r="http://schemas.openxmlformats.org/officeDocument/2006/relationships" xmlns:p="http://schemas.openxmlformats.org/presentationml/2006/main">
-  <p:cSld>
-    <p:spTree>
-      <p:nvGrpSpPr>
-        <p:cNvPr id="1" name=""/>
-        <p:cNvGrpSpPr/>
-        <p:nvPr/>
-      </p:nvGrpSpPr>
-      <p:grpSpPr>
-        <a:xfrm>
-          <a:off x="0" y="0"/>
-          <a:ext cx="0" cy="0"/>
-          <a:chOff x="0" y="0"/>
-          <a:chExt cx="0" cy="0"/>
-        </a:xfrm>
-      </p:grpSpPr>
-      <p:sp>
-        <p:nvSpPr>
           <p:cNvPr id="2" name="Title 1">
             <a:extLst>
               <a:ext uri="{FF2B5EF4-FFF2-40B4-BE49-F238E27FC236}">
@@ -8276,7 +8137,7 @@
 </p:sld>
 </file>
 
-<file path=ppt/slides/slide12.xml><?xml version="1.0" encoding="utf-8"?>
+<file path=ppt/slides/slide11.xml><?xml version="1.0" encoding="utf-8"?>
 <p:sld xmlns:a="http://schemas.openxmlformats.org/drawingml/2006/main" xmlns:r="http://schemas.openxmlformats.org/officeDocument/2006/relationships" xmlns:p="http://schemas.openxmlformats.org/presentationml/2006/main">
   <p:cSld>
     <p:spTree>
@@ -8407,7 +8268,7 @@
 </p:sld>
 </file>
 
-<file path=ppt/slides/slide13.xml><?xml version="1.0" encoding="utf-8"?>
+<file path=ppt/slides/slide12.xml><?xml version="1.0" encoding="utf-8"?>
 <p:sld xmlns:a="http://schemas.openxmlformats.org/drawingml/2006/main" xmlns:r="http://schemas.openxmlformats.org/officeDocument/2006/relationships" xmlns:p="http://schemas.openxmlformats.org/presentationml/2006/main">
   <p:cSld>
     <p:spTree>
@@ -9169,24 +9030,36 @@
           </a:p>
         </p:txBody>
       </p:sp>
-      <p:sp>
-        <p:nvSpPr>
-          <p:cNvPr id="5" name="Picture Placeholder 4">
-            <a:extLst>
-              <a:ext uri="{FF2B5EF4-FFF2-40B4-BE49-F238E27FC236}">
-                <a16:creationId xmlns:a16="http://schemas.microsoft.com/office/drawing/2014/main" id="{EBFB2EE4-8BD5-45FF-BE39-39ED41B0D3EA}"/>
-              </a:ext>
-            </a:extLst>
-          </p:cNvPr>
-          <p:cNvSpPr>
-            <a:spLocks noGrp="1"/>
-          </p:cNvSpPr>
-          <p:nvPr>
-            <p:ph type="pic" sz="quarter" idx="13"/>
-          </p:nvPr>
-        </p:nvSpPr>
-        <p:spPr/>
-      </p:sp>
+      <p:pic>
+        <p:nvPicPr>
+          <p:cNvPr id="10" name="Picture 9">
+            <a:extLst>
+              <a:ext uri="{FF2B5EF4-FFF2-40B4-BE49-F238E27FC236}">
+                <a16:creationId xmlns:a16="http://schemas.microsoft.com/office/drawing/2014/main" id="{BD673726-13FF-4ED2-A998-2D721B2D2D96}"/>
+              </a:ext>
+            </a:extLst>
+          </p:cNvPr>
+          <p:cNvPicPr>
+            <a:picLocks noChangeAspect="1"/>
+          </p:cNvPicPr>
+          <p:nvPr/>
+        </p:nvPicPr>
+        <p:blipFill>
+          <a:blip r:embed="rId2"/>
+          <a:stretch>
+            <a:fillRect/>
+          </a:stretch>
+        </p:blipFill>
+        <p:spPr>
+          <a:xfrm>
+            <a:off x="5580603" y="1790891"/>
+            <a:ext cx="6351338" cy="3495233"/>
+          </a:xfrm>
+          <a:prstGeom prst="rect">
+            <a:avLst/>
+          </a:prstGeom>
+        </p:spPr>
+      </p:pic>
     </p:spTree>
     <p:extLst>
       <p:ext uri="{BB962C8B-B14F-4D97-AF65-F5344CB8AC3E}">
@@ -9222,7 +9095,7 @@
           <p:cNvPr id="2" name="Title 1">
             <a:extLst>
               <a:ext uri="{FF2B5EF4-FFF2-40B4-BE49-F238E27FC236}">
-                <a16:creationId xmlns:a16="http://schemas.microsoft.com/office/drawing/2014/main" id="{1732E9F2-C620-4FC8-8F0A-A41F3E18EE1C}"/>
+                <a16:creationId xmlns:a16="http://schemas.microsoft.com/office/drawing/2014/main" id="{F31B00C7-0803-8A43-A9F3-6FF24BDCB923}"/>
               </a:ext>
             </a:extLst>
           </p:cNvPr>
@@ -9242,40 +9115,15 @@
               <a:rPr lang="en-US" dirty="0">
                 <a:latin typeface="Cooper Black" panose="0208090404030B020404" pitchFamily="18" charset="0"/>
               </a:rPr>
-              <a:t>Video DEMO</a:t>
+              <a:t>Challenges Faced</a:t>
             </a:r>
-          </a:p>
-        </p:txBody>
-      </p:sp>
-      <p:sp>
-        <p:nvSpPr>
-          <p:cNvPr id="4" name="Content Placeholder 3">
-            <a:extLst>
-              <a:ext uri="{FF2B5EF4-FFF2-40B4-BE49-F238E27FC236}">
-                <a16:creationId xmlns:a16="http://schemas.microsoft.com/office/drawing/2014/main" id="{DC09A000-C6E8-4980-9A0C-EC05FE7A5F2A}"/>
-              </a:ext>
-            </a:extLst>
-          </p:cNvPr>
-          <p:cNvSpPr>
-            <a:spLocks noGrp="1"/>
-          </p:cNvSpPr>
-          <p:nvPr>
-            <p:ph idx="1"/>
-          </p:nvPr>
-        </p:nvSpPr>
-        <p:spPr/>
-        <p:txBody>
-          <a:bodyPr/>
-          <a:lstStyle/>
-          <a:p>
-            <a:endParaRPr lang="en-IN"/>
           </a:p>
         </p:txBody>
       </p:sp>
     </p:spTree>
     <p:extLst>
       <p:ext uri="{BB962C8B-B14F-4D97-AF65-F5344CB8AC3E}">
-        <p14:creationId xmlns:p14="http://schemas.microsoft.com/office/powerpoint/2010/main" val="3796342813"/>
+        <p14:creationId xmlns:p14="http://schemas.microsoft.com/office/powerpoint/2010/main" val="4173797245"/>
       </p:ext>
     </p:extLst>
   </p:cSld>
@@ -9304,10 +9152,59 @@
       </p:grpSpPr>
       <p:sp>
         <p:nvSpPr>
-          <p:cNvPr id="2" name="Title 1">
-            <a:extLst>
-              <a:ext uri="{FF2B5EF4-FFF2-40B4-BE49-F238E27FC236}">
-                <a16:creationId xmlns:a16="http://schemas.microsoft.com/office/drawing/2014/main" id="{F31B00C7-0803-8A43-A9F3-6FF24BDCB923}"/>
+          <p:cNvPr id="3" name="Content Placeholder 2">
+            <a:extLst>
+              <a:ext uri="{FF2B5EF4-FFF2-40B4-BE49-F238E27FC236}">
+                <a16:creationId xmlns:a16="http://schemas.microsoft.com/office/drawing/2014/main" id="{7FD305C2-EDA8-45C1-8E65-A5455692BC40}"/>
+              </a:ext>
+            </a:extLst>
+          </p:cNvPr>
+          <p:cNvSpPr>
+            <a:spLocks noGrp="1"/>
+          </p:cNvSpPr>
+          <p:nvPr>
+            <p:ph sz="half" idx="1"/>
+          </p:nvPr>
+        </p:nvSpPr>
+        <p:spPr/>
+        <p:txBody>
+          <a:bodyPr>
+            <a:normAutofit/>
+          </a:bodyPr>
+          <a:lstStyle/>
+          <a:p>
+            <a:pPr algn="just"/>
+            <a:r>
+              <a:rPr lang="en-US" sz="1800" dirty="0"/>
+              <a:t>Finding a dataset that fit with our problem and </a:t>
+            </a:r>
+            <a:r>
+              <a:rPr lang="en-IN" sz="1800" dirty="0"/>
+              <a:t>pre-processing it for use was very time-consuming and a hassle.</a:t>
+            </a:r>
+          </a:p>
+          <a:p>
+            <a:pPr algn="just"/>
+            <a:r>
+              <a:rPr lang="en-US" sz="1800" dirty="0"/>
+              <a:t>Setting up the backend using fastAPI to interact with the website took us some time to learn and implement.</a:t>
+            </a:r>
+          </a:p>
+          <a:p>
+            <a:pPr algn="just"/>
+            <a:r>
+              <a:rPr lang="en-US" sz="1800" dirty="0"/>
+              <a:t>Collaborating with teammates over call was a challenge. But we are proud to have completed the project successfully. </a:t>
+            </a:r>
+          </a:p>
+        </p:txBody>
+      </p:sp>
+      <p:sp>
+        <p:nvSpPr>
+          <p:cNvPr id="4" name="Title 3">
+            <a:extLst>
+              <a:ext uri="{FF2B5EF4-FFF2-40B4-BE49-F238E27FC236}">
+                <a16:creationId xmlns:a16="http://schemas.microsoft.com/office/drawing/2014/main" id="{3729FD7E-1908-406F-898A-AB33D7EFE50C}"/>
               </a:ext>
             </a:extLst>
           </p:cNvPr>
@@ -9323,19 +9220,48 @@
           <a:bodyPr/>
           <a:lstStyle/>
           <a:p>
+            <a:pPr algn="ctr"/>
             <a:r>
               <a:rPr lang="en-US" dirty="0">
                 <a:latin typeface="Cooper Black" panose="0208090404030B020404" pitchFamily="18" charset="0"/>
               </a:rPr>
               <a:t>Challenges Faced</a:t>
             </a:r>
-          </a:p>
-        </p:txBody>
-      </p:sp>
+            <a:endParaRPr lang="en-IN" dirty="0">
+              <a:latin typeface="Cooper Black" panose="0208090404030B020404" pitchFamily="18" charset="0"/>
+            </a:endParaRPr>
+          </a:p>
+        </p:txBody>
+      </p:sp>
+      <p:pic>
+        <p:nvPicPr>
+          <p:cNvPr id="10" name="Picture Placeholder 9">
+            <a:extLst>
+              <a:ext uri="{FF2B5EF4-FFF2-40B4-BE49-F238E27FC236}">
+                <a16:creationId xmlns:a16="http://schemas.microsoft.com/office/drawing/2014/main" id="{AFD2C80D-8E2C-483E-B327-E720198FF781}"/>
+              </a:ext>
+            </a:extLst>
+          </p:cNvPr>
+          <p:cNvPicPr>
+            <a:picLocks noGrp="1" noChangeAspect="1"/>
+          </p:cNvPicPr>
+          <p:nvPr>
+            <p:ph type="pic" sz="quarter" idx="13"/>
+          </p:nvPr>
+        </p:nvPicPr>
+        <p:blipFill>
+          <a:blip r:embed="rId2"/>
+          <a:srcRect l="3761" r="3761"/>
+          <a:stretch>
+            <a:fillRect/>
+          </a:stretch>
+        </p:blipFill>
+        <p:spPr/>
+      </p:pic>
     </p:spTree>
     <p:extLst>
       <p:ext uri="{BB962C8B-B14F-4D97-AF65-F5344CB8AC3E}">
-        <p14:creationId xmlns:p14="http://schemas.microsoft.com/office/powerpoint/2010/main" val="4173797245"/>
+        <p14:creationId xmlns:p14="http://schemas.microsoft.com/office/powerpoint/2010/main" val="3350103214"/>
       </p:ext>
     </p:extLst>
   </p:cSld>
@@ -9638,6 +9564,15 @@
 </file>
 
 <file path=customXml/item2.xml><?xml version="1.0" encoding="utf-8"?>
+<p:properties xmlns:p="http://schemas.microsoft.com/office/2006/metadata/properties" xmlns:xsi="http://www.w3.org/2001/XMLSchema-instance" xmlns:pc="http://schemas.microsoft.com/office/infopath/2007/PartnerControls">
+  <documentManagement>
+    <Status xmlns="71af3243-3dd4-4a8d-8c0d-dd76da1f02a5">Not started</Status>
+    <MediaServiceKeyPoints xmlns="71af3243-3dd4-4a8d-8c0d-dd76da1f02a5" xsi:nil="true"/>
+  </documentManagement>
+</p:properties>
+</file>
+
+<file path=customXml/item3.xml><?xml version="1.0" encoding="utf-8"?>
 <ct:contentTypeSchema xmlns:ct="http://schemas.microsoft.com/office/2006/metadata/contentType" xmlns:ma="http://schemas.microsoft.com/office/2006/metadata/properties/metaAttributes" ct:_="" ma:_="" ma:contentTypeName="Document" ma:contentTypeID="0x01010079F111ED35F8CC479449609E8A0923A6" ma:contentTypeVersion="12" ma:contentTypeDescription="Create a new document." ma:contentTypeScope="" ma:versionID="fa6e671f1cd7e4d96ff9652be322dd5e">
   <xsd:schema xmlns:xsd="http://www.w3.org/2001/XMLSchema" xmlns:xs="http://www.w3.org/2001/XMLSchema" xmlns:p="http://schemas.microsoft.com/office/2006/metadata/properties" xmlns:ns2="71af3243-3dd4-4a8d-8c0d-dd76da1f02a5" xmlns:ns3="16c05727-aa75-4e4a-9b5f-8a80a1165891" targetNamespace="http://schemas.microsoft.com/office/2006/metadata/properties" ma:root="true" ma:fieldsID="4e2496f70b101db0b8013f30a071bbf7" ns2:_="" ns3:_="">
     <xsd:import namespace="71af3243-3dd4-4a8d-8c0d-dd76da1f02a5"/>
@@ -9858,15 +9793,6 @@
 </ct:contentTypeSchema>
 </file>
 
-<file path=customXml/item3.xml><?xml version="1.0" encoding="utf-8"?>
-<p:properties xmlns:p="http://schemas.microsoft.com/office/2006/metadata/properties" xmlns:xsi="http://www.w3.org/2001/XMLSchema-instance" xmlns:pc="http://schemas.microsoft.com/office/infopath/2007/PartnerControls">
-  <documentManagement>
-    <Status xmlns="71af3243-3dd4-4a8d-8c0d-dd76da1f02a5">Not started</Status>
-    <MediaServiceKeyPoints xmlns="71af3243-3dd4-4a8d-8c0d-dd76da1f02a5" xsi:nil="true"/>
-  </documentManagement>
-</p:properties>
-</file>
-
 <file path=customXml/itemProps1.xml><?xml version="1.0" encoding="utf-8"?>
 <ds:datastoreItem xmlns:ds="http://schemas.openxmlformats.org/officeDocument/2006/customXml" ds:itemID="{6A7FA506-1E93-4CA4-B270-1F08FD18C366}">
   <ds:schemaRefs>
@@ -9876,6 +9802,16 @@
 </file>
 
 <file path=customXml/itemProps2.xml><?xml version="1.0" encoding="utf-8"?>
+<ds:datastoreItem xmlns:ds="http://schemas.openxmlformats.org/officeDocument/2006/customXml" ds:itemID="{38F4328E-77DF-41E8-952F-124AE19F1F7C}">
+  <ds:schemaRefs>
+    <ds:schemaRef ds:uri="http://schemas.microsoft.com/office/2006/metadata/properties"/>
+    <ds:schemaRef ds:uri="http://schemas.microsoft.com/office/infopath/2007/PartnerControls"/>
+    <ds:schemaRef ds:uri="71af3243-3dd4-4a8d-8c0d-dd76da1f02a5"/>
+  </ds:schemaRefs>
+</ds:datastoreItem>
+</file>
+
+<file path=customXml/itemProps3.xml><?xml version="1.0" encoding="utf-8"?>
 <ds:datastoreItem xmlns:ds="http://schemas.openxmlformats.org/officeDocument/2006/customXml" ds:itemID="{1F2FE978-FCBC-4C90-A410-B547AA706062}">
   <ds:schemaRefs>
     <ds:schemaRef ds:uri="http://schemas.microsoft.com/office/2006/metadata/contentType"/>
@@ -9892,14 +9828,4 @@
     <ds:schemaRef ds:uri="http://schemas.microsoft.com/internal/obd"/>
   </ds:schemaRefs>
 </ds:datastoreItem>
-</file>
-
-<file path=customXml/itemProps3.xml><?xml version="1.0" encoding="utf-8"?>
-<ds:datastoreItem xmlns:ds="http://schemas.openxmlformats.org/officeDocument/2006/customXml" ds:itemID="{38F4328E-77DF-41E8-952F-124AE19F1F7C}">
-  <ds:schemaRefs>
-    <ds:schemaRef ds:uri="http://schemas.microsoft.com/office/2006/metadata/properties"/>
-    <ds:schemaRef ds:uri="http://schemas.microsoft.com/office/infopath/2007/PartnerControls"/>
-    <ds:schemaRef ds:uri="71af3243-3dd4-4a8d-8c0d-dd76da1f02a5"/>
-  </ds:schemaRefs>
-</ds:datastoreItem>
 </file>